--- a/Tortugabay_Presentation_v0.9.pptx
+++ b/Tortugabay_Presentation_v0.9.pptx
@@ -312,7 +312,7 @@
     </p:spTree>
     <p:extLst>
       <p:ext uri="{BB962C8B-B14F-4D97-AF65-F5344CB8AC3E}">
-        <p14:creationId xmlns="" xmlns:p14="http://schemas.microsoft.com/office/powerpoint/2010/main" val="2213009851"/>
+        <p14:creationId xmlns:p14="http://schemas.microsoft.com/office/powerpoint/2010/main" xmlns="" val="2213009851"/>
       </p:ext>
     </p:extLst>
   </p:cSld>
@@ -573,7 +573,7 @@
     </p:spTree>
     <p:extLst>
       <p:ext uri="{BB962C8B-B14F-4D97-AF65-F5344CB8AC3E}">
-        <p14:creationId xmlns="" xmlns:p14="http://schemas.microsoft.com/office/powerpoint/2010/main" val="2501243732"/>
+        <p14:creationId xmlns:p14="http://schemas.microsoft.com/office/powerpoint/2010/main" xmlns="" val="2501243732"/>
       </p:ext>
     </p:extLst>
   </p:cSld>
@@ -956,7 +956,7 @@
     </p:spTree>
     <p:extLst>
       <p:ext uri="{BB962C8B-B14F-4D97-AF65-F5344CB8AC3E}">
-        <p14:creationId xmlns="" xmlns:p14="http://schemas.microsoft.com/office/powerpoint/2010/main" val="2070404567"/>
+        <p14:creationId xmlns:p14="http://schemas.microsoft.com/office/powerpoint/2010/main" xmlns="" val="2070404567"/>
       </p:ext>
     </p:extLst>
   </p:cSld>
@@ -1138,7 +1138,7 @@
     </p:spTree>
     <p:extLst>
       <p:ext uri="{BB962C8B-B14F-4D97-AF65-F5344CB8AC3E}">
-        <p14:creationId xmlns="" xmlns:p14="http://schemas.microsoft.com/office/powerpoint/2010/main" val="2365711366"/>
+        <p14:creationId xmlns:p14="http://schemas.microsoft.com/office/powerpoint/2010/main" xmlns="" val="2365711366"/>
       </p:ext>
     </p:extLst>
   </p:cSld>
@@ -1323,7 +1323,7 @@
     </p:spTree>
     <p:extLst>
       <p:ext uri="{BB962C8B-B14F-4D97-AF65-F5344CB8AC3E}">
-        <p14:creationId xmlns="" xmlns:p14="http://schemas.microsoft.com/office/powerpoint/2010/main" val="707905946"/>
+        <p14:creationId xmlns:p14="http://schemas.microsoft.com/office/powerpoint/2010/main" xmlns="" val="707905946"/>
       </p:ext>
     </p:extLst>
   </p:cSld>
@@ -1498,7 +1498,7 @@
     </p:spTree>
     <p:extLst>
       <p:ext uri="{BB962C8B-B14F-4D97-AF65-F5344CB8AC3E}">
-        <p14:creationId xmlns="" xmlns:p14="http://schemas.microsoft.com/office/powerpoint/2010/main" val="1869324206"/>
+        <p14:creationId xmlns:p14="http://schemas.microsoft.com/office/powerpoint/2010/main" xmlns="" val="1869324206"/>
       </p:ext>
     </p:extLst>
   </p:cSld>
@@ -1749,7 +1749,7 @@
     </p:spTree>
     <p:extLst>
       <p:ext uri="{BB962C8B-B14F-4D97-AF65-F5344CB8AC3E}">
-        <p14:creationId xmlns="" xmlns:p14="http://schemas.microsoft.com/office/powerpoint/2010/main" val="4219159056"/>
+        <p14:creationId xmlns:p14="http://schemas.microsoft.com/office/powerpoint/2010/main" xmlns="" val="4219159056"/>
       </p:ext>
     </p:extLst>
   </p:cSld>
@@ -2042,7 +2042,7 @@
     </p:spTree>
     <p:extLst>
       <p:ext uri="{BB962C8B-B14F-4D97-AF65-F5344CB8AC3E}">
-        <p14:creationId xmlns="" xmlns:p14="http://schemas.microsoft.com/office/powerpoint/2010/main" val="1106473477"/>
+        <p14:creationId xmlns:p14="http://schemas.microsoft.com/office/powerpoint/2010/main" xmlns="" val="1106473477"/>
       </p:ext>
     </p:extLst>
   </p:cSld>
@@ -2469,7 +2469,7 @@
     </p:spTree>
     <p:extLst>
       <p:ext uri="{BB962C8B-B14F-4D97-AF65-F5344CB8AC3E}">
-        <p14:creationId xmlns="" xmlns:p14="http://schemas.microsoft.com/office/powerpoint/2010/main" val="2304094589"/>
+        <p14:creationId xmlns:p14="http://schemas.microsoft.com/office/powerpoint/2010/main" xmlns="" val="2304094589"/>
       </p:ext>
     </p:extLst>
   </p:cSld>
@@ -2592,7 +2592,7 @@
     </p:spTree>
     <p:extLst>
       <p:ext uri="{BB962C8B-B14F-4D97-AF65-F5344CB8AC3E}">
-        <p14:creationId xmlns="" xmlns:p14="http://schemas.microsoft.com/office/powerpoint/2010/main" val="1861322463"/>
+        <p14:creationId xmlns:p14="http://schemas.microsoft.com/office/powerpoint/2010/main" xmlns="" val="1861322463"/>
       </p:ext>
     </p:extLst>
   </p:cSld>
@@ -2692,7 +2692,7 @@
     </p:spTree>
     <p:extLst>
       <p:ext uri="{BB962C8B-B14F-4D97-AF65-F5344CB8AC3E}">
-        <p14:creationId xmlns="" xmlns:p14="http://schemas.microsoft.com/office/powerpoint/2010/main" val="1290982777"/>
+        <p14:creationId xmlns:p14="http://schemas.microsoft.com/office/powerpoint/2010/main" xmlns="" val="1290982777"/>
       </p:ext>
     </p:extLst>
   </p:cSld>
@@ -2974,7 +2974,7 @@
     </p:spTree>
     <p:extLst>
       <p:ext uri="{BB962C8B-B14F-4D97-AF65-F5344CB8AC3E}">
-        <p14:creationId xmlns="" xmlns:p14="http://schemas.microsoft.com/office/powerpoint/2010/main" val="1936420163"/>
+        <p14:creationId xmlns:p14="http://schemas.microsoft.com/office/powerpoint/2010/main" xmlns="" val="1936420163"/>
       </p:ext>
     </p:extLst>
   </p:cSld>
@@ -3232,7 +3232,7 @@
     </p:spTree>
     <p:extLst>
       <p:ext uri="{BB962C8B-B14F-4D97-AF65-F5344CB8AC3E}">
-        <p14:creationId xmlns="" xmlns:p14="http://schemas.microsoft.com/office/powerpoint/2010/main" val="3541544067"/>
+        <p14:creationId xmlns:p14="http://schemas.microsoft.com/office/powerpoint/2010/main" xmlns="" val="3541544067"/>
       </p:ext>
     </p:extLst>
   </p:cSld>
@@ -3516,7 +3516,7 @@
               </a:duotone>
               <a:extLst>
                 <a:ext uri="{BEBA8EAE-BF5A-486C-A8C5-ECC9F3942E4B}">
-                  <a14:imgProps xmlns="" xmlns:a14="http://schemas.microsoft.com/office/drawing/2010/main">
+                  <a14:imgProps xmlns:a14="http://schemas.microsoft.com/office/drawing/2010/main" xmlns="">
                     <a14:imgLayer r:embed="rId14">
                       <a14:imgEffect>
                         <a14:saturation sat="0"/>
@@ -3525,7 +3525,7 @@
                   </a14:imgProps>
                 </a:ext>
                 <a:ext uri="{28A0092B-C50C-407E-A947-70E740481C1C}">
-                  <a14:useLocalDpi xmlns="" xmlns:a14="http://schemas.microsoft.com/office/drawing/2010/main" val="0"/>
+                  <a14:useLocalDpi xmlns:a14="http://schemas.microsoft.com/office/drawing/2010/main" xmlns="" val="0"/>
                 </a:ext>
               </a:extLst>
             </a:blip>
@@ -3555,7 +3555,7 @@
             <a:blip r:embed="rId15" cstate="print">
               <a:extLst>
                 <a:ext uri="{28A0092B-C50C-407E-A947-70E740481C1C}">
-                  <a14:useLocalDpi xmlns="" xmlns:a14="http://schemas.microsoft.com/office/drawing/2010/main" val="0"/>
+                  <a14:useLocalDpi xmlns:a14="http://schemas.microsoft.com/office/drawing/2010/main" xmlns="" val="0"/>
                 </a:ext>
               </a:extLst>
             </a:blip>
@@ -3577,7 +3577,7 @@
     </p:spTree>
     <p:extLst>
       <p:ext uri="{BB962C8B-B14F-4D97-AF65-F5344CB8AC3E}">
-        <p14:creationId xmlns="" xmlns:p14="http://schemas.microsoft.com/office/powerpoint/2010/main" val="3586662826"/>
+        <p14:creationId xmlns:p14="http://schemas.microsoft.com/office/powerpoint/2010/main" xmlns="" val="3586662826"/>
       </p:ext>
     </p:extLst>
   </p:cSld>
@@ -4047,7 +4047,7 @@
             <a:blip r:embed="rId2" cstate="print">
               <a:extLst>
                 <a:ext uri="{28A0092B-C50C-407E-A947-70E740481C1C}">
-                  <a14:useLocalDpi xmlns="" xmlns:a14="http://schemas.microsoft.com/office/drawing/2010/main" val="0"/>
+                  <a14:useLocalDpi xmlns:a14="http://schemas.microsoft.com/office/drawing/2010/main" xmlns="" val="0"/>
                 </a:ext>
               </a:extLst>
             </a:blip>
@@ -4327,7 +4327,7 @@
               </a:duotone>
               <a:extLst>
                 <a:ext uri="{28A0092B-C50C-407E-A947-70E740481C1C}">
-                  <a14:useLocalDpi xmlns="" xmlns:a14="http://schemas.microsoft.com/office/drawing/2010/main" val="0"/>
+                  <a14:useLocalDpi xmlns:a14="http://schemas.microsoft.com/office/drawing/2010/main" xmlns="" val="0"/>
                 </a:ext>
               </a:extLst>
             </a:blip>
@@ -4460,14 +4460,14 @@
     </p:spTree>
     <p:extLst>
       <p:ext uri="{BB962C8B-B14F-4D97-AF65-F5344CB8AC3E}">
-        <p14:creationId xmlns="" xmlns:p14="http://schemas.microsoft.com/office/powerpoint/2010/main" val="3658200479"/>
+        <p14:creationId xmlns:p14="http://schemas.microsoft.com/office/powerpoint/2010/main" xmlns="" val="3658200479"/>
       </p:ext>
     </p:extLst>
   </p:cSld>
   <p:clrMapOvr>
     <a:masterClrMapping/>
   </p:clrMapOvr>
-  <p:transition spd="slow">
+  <p:transition spd="med">
     <p:push dir="u"/>
   </p:transition>
   <p:timing>
@@ -4880,7 +4880,7 @@
   <p:clrMapOvr>
     <a:masterClrMapping/>
   </p:clrMapOvr>
-  <p:transition spd="slow">
+  <p:transition spd="med">
     <p:push dir="u"/>
   </p:transition>
   <p:timing>
@@ -5094,7 +5094,7 @@
   <p:clrMapOvr>
     <a:masterClrMapping/>
   </p:clrMapOvr>
-  <p:transition spd="slow">
+  <p:transition spd="med">
     <p:push dir="u"/>
   </p:transition>
   <p:timing>
@@ -5384,7 +5384,7 @@
   <p:clrMapOvr>
     <a:masterClrMapping/>
   </p:clrMapOvr>
-  <p:transition spd="slow">
+  <p:transition spd="med">
     <p:push dir="u"/>
   </p:transition>
   <p:timing>
@@ -5631,23 +5631,7 @@
                     <a:schemeClr val="tx1"/>
                   </a:solidFill>
                 </a:rPr>
-                <a:t>대 </a:t>
-              </a:r>
-              <a:r>
-                <a:rPr lang="ko-KR" altLang="en-US" sz="2000" dirty="0" smtClean="0">
-                  <a:solidFill>
-                    <a:schemeClr val="tx1"/>
-                  </a:solidFill>
-                </a:rPr>
-                <a:t>남</a:t>
-              </a:r>
-              <a:r>
-                <a:rPr lang="ko-KR" altLang="en-US" sz="2000" dirty="0" smtClean="0">
-                  <a:solidFill>
-                    <a:schemeClr val="tx1"/>
-                  </a:solidFill>
-                </a:rPr>
-                <a:t>성</a:t>
+                <a:t>대 남성</a:t>
               </a:r>
               <a:endParaRPr lang="ko-KR" altLang="en-US" sz="2000" dirty="0">
                 <a:solidFill>
@@ -5870,7 +5854,7 @@
   <p:clrMapOvr>
     <a:masterClrMapping/>
   </p:clrMapOvr>
-  <p:transition spd="slow">
+  <p:transition spd="med">
     <p:push dir="u"/>
   </p:transition>
   <p:timing>
@@ -6206,7 +6190,7 @@
   <p:clrMapOvr>
     <a:masterClrMapping/>
   </p:clrMapOvr>
-  <p:transition spd="slow">
+  <p:transition spd="med">
     <p:push dir="u"/>
   </p:transition>
   <p:timing>
@@ -6373,7 +6357,7 @@
             <a:blip r:embed="rId2" cstate="print">
               <a:extLst>
                 <a:ext uri="{28A0092B-C50C-407E-A947-70E740481C1C}">
-                  <a14:useLocalDpi xmlns="" xmlns:a14="http://schemas.microsoft.com/office/drawing/2010/main" val="0"/>
+                  <a14:useLocalDpi xmlns:a14="http://schemas.microsoft.com/office/drawing/2010/main" xmlns="" val="0"/>
                 </a:ext>
               </a:extLst>
             </a:blip>
@@ -6576,14 +6560,14 @@
     </p:spTree>
     <p:extLst>
       <p:ext uri="{BB962C8B-B14F-4D97-AF65-F5344CB8AC3E}">
-        <p14:creationId xmlns="" xmlns:p14="http://schemas.microsoft.com/office/powerpoint/2010/main" val="2619248131"/>
+        <p14:creationId xmlns:p14="http://schemas.microsoft.com/office/powerpoint/2010/main" xmlns="" val="2619248131"/>
       </p:ext>
     </p:extLst>
   </p:cSld>
   <p:clrMapOvr>
     <a:masterClrMapping/>
   </p:clrMapOvr>
-  <p:transition spd="slow">
+  <p:transition spd="med">
     <p:push dir="u"/>
   </p:transition>
   <p:timing>
@@ -7361,7 +7345,7 @@
   <p:clrMapOvr>
     <a:masterClrMapping/>
   </p:clrMapOvr>
-  <p:transition spd="slow">
+  <p:transition spd="med">
     <p:push dir="u"/>
   </p:transition>
   <p:timing>
@@ -8299,7 +8283,7 @@
   <p:clrMapOvr>
     <a:masterClrMapping/>
   </p:clrMapOvr>
-  <p:transition spd="slow">
+  <p:transition spd="med">
     <p:push dir="u"/>
   </p:transition>
   <p:timing>
@@ -8466,7 +8450,7 @@
             <a:blip r:embed="rId2" cstate="print">
               <a:extLst>
                 <a:ext uri="{28A0092B-C50C-407E-A947-70E740481C1C}">
-                  <a14:useLocalDpi xmlns="" xmlns:a14="http://schemas.microsoft.com/office/drawing/2010/main" val="0"/>
+                  <a14:useLocalDpi xmlns:a14="http://schemas.microsoft.com/office/drawing/2010/main" xmlns="" val="0"/>
                 </a:ext>
               </a:extLst>
             </a:blip>
@@ -8669,14 +8653,14 @@
     </p:spTree>
     <p:extLst>
       <p:ext uri="{BB962C8B-B14F-4D97-AF65-F5344CB8AC3E}">
-        <p14:creationId xmlns="" xmlns:p14="http://schemas.microsoft.com/office/powerpoint/2010/main" val="2619248131"/>
+        <p14:creationId xmlns:p14="http://schemas.microsoft.com/office/powerpoint/2010/main" xmlns="" val="2619248131"/>
       </p:ext>
     </p:extLst>
   </p:cSld>
   <p:clrMapOvr>
     <a:masterClrMapping/>
   </p:clrMapOvr>
-  <p:transition spd="slow">
+  <p:transition spd="med">
     <p:push dir="u"/>
   </p:transition>
   <p:timing>
@@ -9355,7 +9339,7 @@
   <p:clrMapOvr>
     <a:masterClrMapping/>
   </p:clrMapOvr>
-  <p:transition spd="slow">
+  <p:transition spd="med">
     <p:push dir="u"/>
   </p:transition>
   <p:timing>
@@ -10753,14 +10737,14 @@
     </p:spTree>
     <p:extLst>
       <p:ext uri="{BB962C8B-B14F-4D97-AF65-F5344CB8AC3E}">
-        <p14:creationId xmlns="" xmlns:p14="http://schemas.microsoft.com/office/powerpoint/2010/main" val="2378213369"/>
+        <p14:creationId xmlns:p14="http://schemas.microsoft.com/office/powerpoint/2010/main" xmlns="" val="2378213369"/>
       </p:ext>
     </p:extLst>
   </p:cSld>
   <p:clrMapOvr>
     <a:masterClrMapping/>
   </p:clrMapOvr>
-  <p:transition spd="slow">
+  <p:transition spd="med">
     <p:push dir="u"/>
   </p:transition>
   <p:timing>
@@ -11568,7 +11552,7 @@
   <p:clrMapOvr>
     <a:masterClrMapping/>
   </p:clrMapOvr>
-  <p:transition spd="slow">
+  <p:transition spd="med">
     <p:push dir="u"/>
   </p:transition>
   <p:timing>
@@ -12165,7 +12149,7 @@
   <p:clrMapOvr>
     <a:masterClrMapping/>
   </p:clrMapOvr>
-  <p:transition spd="slow">
+  <p:transition spd="med">
     <p:push dir="u"/>
   </p:transition>
   <p:timing>
@@ -12722,7 +12706,7 @@
   <p:clrMapOvr>
     <a:masterClrMapping/>
   </p:clrMapOvr>
-  <p:transition spd="slow">
+  <p:transition spd="med">
     <p:push dir="u"/>
   </p:transition>
   <p:timing>
@@ -13217,7 +13201,7 @@
   <p:clrMapOvr>
     <a:masterClrMapping/>
   </p:clrMapOvr>
-  <p:transition spd="slow">
+  <p:transition spd="med">
     <p:push dir="u"/>
   </p:transition>
   <p:timing>
@@ -13384,7 +13368,7 @@
             <a:blip r:embed="rId2" cstate="print">
               <a:extLst>
                 <a:ext uri="{28A0092B-C50C-407E-A947-70E740481C1C}">
-                  <a14:useLocalDpi xmlns="" xmlns:a14="http://schemas.microsoft.com/office/drawing/2010/main" val="0"/>
+                  <a14:useLocalDpi xmlns:a14="http://schemas.microsoft.com/office/drawing/2010/main" xmlns="" val="0"/>
                 </a:ext>
               </a:extLst>
             </a:blip>
@@ -13587,14 +13571,14 @@
     </p:spTree>
     <p:extLst>
       <p:ext uri="{BB962C8B-B14F-4D97-AF65-F5344CB8AC3E}">
-        <p14:creationId xmlns="" xmlns:p14="http://schemas.microsoft.com/office/powerpoint/2010/main" val="2619248131"/>
+        <p14:creationId xmlns:p14="http://schemas.microsoft.com/office/powerpoint/2010/main" xmlns="" val="2619248131"/>
       </p:ext>
     </p:extLst>
   </p:cSld>
   <p:clrMapOvr>
     <a:masterClrMapping/>
   </p:clrMapOvr>
-  <p:transition spd="slow">
+  <p:transition spd="med">
     <p:push dir="u"/>
   </p:transition>
   <p:timing>
@@ -14343,7 +14327,7 @@
   <p:clrMapOvr>
     <a:masterClrMapping/>
   </p:clrMapOvr>
-  <p:transition spd="slow">
+  <p:transition spd="med">
     <p:push dir="u"/>
   </p:transition>
   <p:timing>
@@ -14510,7 +14494,7 @@
             <a:blip r:embed="rId2" cstate="print">
               <a:extLst>
                 <a:ext uri="{28A0092B-C50C-407E-A947-70E740481C1C}">
-                  <a14:useLocalDpi xmlns="" xmlns:a14="http://schemas.microsoft.com/office/drawing/2010/main" val="0"/>
+                  <a14:useLocalDpi xmlns:a14="http://schemas.microsoft.com/office/drawing/2010/main" xmlns="" val="0"/>
                 </a:ext>
               </a:extLst>
             </a:blip>
@@ -14713,14 +14697,14 @@
     </p:spTree>
     <p:extLst>
       <p:ext uri="{BB962C8B-B14F-4D97-AF65-F5344CB8AC3E}">
-        <p14:creationId xmlns="" xmlns:p14="http://schemas.microsoft.com/office/powerpoint/2010/main" val="2619248131"/>
+        <p14:creationId xmlns:p14="http://schemas.microsoft.com/office/powerpoint/2010/main" xmlns="" val="2619248131"/>
       </p:ext>
     </p:extLst>
   </p:cSld>
   <p:clrMapOvr>
     <a:masterClrMapping/>
   </p:clrMapOvr>
-  <p:transition spd="slow">
+  <p:transition spd="med">
     <p:push dir="u"/>
   </p:transition>
   <p:timing>
@@ -15032,7 +15016,7 @@
   <p:clrMapOvr>
     <a:masterClrMapping/>
   </p:clrMapOvr>
-  <p:transition spd="slow">
+  <p:transition spd="med">
     <p:push dir="u"/>
   </p:transition>
   <p:timing>
@@ -18992,7 +18976,7 @@
   <p:clrMapOvr>
     <a:masterClrMapping/>
   </p:clrMapOvr>
-  <p:transition spd="slow">
+  <p:transition spd="med">
     <p:push dir="u"/>
   </p:transition>
   <p:timing>
@@ -23157,7 +23141,7 @@
   <p:clrMapOvr>
     <a:masterClrMapping/>
   </p:clrMapOvr>
-  <p:transition spd="slow">
+  <p:transition spd="med">
     <p:push dir="u"/>
   </p:transition>
   <p:timing>
@@ -23943,14 +23927,14 @@
     </p:spTree>
     <p:extLst>
       <p:ext uri="{BB962C8B-B14F-4D97-AF65-F5344CB8AC3E}">
-        <p14:creationId xmlns="" xmlns:p14="http://schemas.microsoft.com/office/powerpoint/2010/main" val="2378213369"/>
+        <p14:creationId xmlns:p14="http://schemas.microsoft.com/office/powerpoint/2010/main" xmlns="" val="2378213369"/>
       </p:ext>
     </p:extLst>
   </p:cSld>
   <p:clrMapOvr>
     <a:masterClrMapping/>
   </p:clrMapOvr>
-  <p:transition spd="slow">
+  <p:transition spd="med">
     <p:push dir="u"/>
   </p:transition>
   <p:timing>
@@ -25778,7 +25762,7 @@
   <p:clrMapOvr>
     <a:masterClrMapping/>
   </p:clrMapOvr>
-  <p:transition spd="slow">
+  <p:transition spd="med">
     <p:push dir="u"/>
   </p:transition>
   <p:timing>
@@ -26104,22 +26088,7 @@
                     <a:ea typeface="맑은 고딕" pitchFamily="50" charset="-127"/>
                     <a:cs typeface="굴림" pitchFamily="50" charset="-127"/>
                   </a:rPr>
-                  <a:t>보스 </a:t>
-                </a:r>
-                <a:r>
-                  <a:rPr kumimoji="1" lang="ko-KR" altLang="en-US" sz="1100" b="1" i="0" u="none" strike="noStrike" cap="none" normalizeH="0" baseline="0" dirty="0" smtClean="0">
-                    <a:ln>
-                      <a:noFill/>
-                    </a:ln>
-                    <a:solidFill>
-                      <a:schemeClr val="tx1"/>
-                    </a:solidFill>
-                    <a:effectLst/>
-                    <a:latin typeface="맑은 고딕" pitchFamily="50" charset="-127"/>
-                    <a:ea typeface="맑은 고딕" pitchFamily="50" charset="-127"/>
-                    <a:cs typeface="굴림" pitchFamily="50" charset="-127"/>
-                  </a:rPr>
-                  <a:t>몬</a:t>
+                  <a:t>보스 몬</a:t>
                 </a:r>
                 <a:endParaRPr kumimoji="1" lang="ko-KR" sz="1800" b="0" i="0" u="none" strike="noStrike" cap="none" normalizeH="0" baseline="0" dirty="0" smtClean="0">
                   <a:ln>
@@ -26809,7 +26778,7 @@
   <p:clrMapOvr>
     <a:masterClrMapping/>
   </p:clrMapOvr>
-  <p:transition spd="slow">
+  <p:transition spd="med">
     <p:push dir="u"/>
   </p:transition>
   <p:timing>
@@ -28161,9 +28130,16 @@
   <p:clrMapOvr>
     <a:masterClrMapping/>
   </p:clrMapOvr>
-  <p:transition spd="slow">
+  <p:transition spd="med">
     <p:push dir="u"/>
   </p:transition>
+  <p:timing>
+    <p:tnLst>
+      <p:par>
+        <p:cTn id="1" dur="indefinite" restart="never" nodeType="tmRoot"/>
+      </p:par>
+    </p:tnLst>
+  </p:timing>
 </p:sld>
 </file>
 
@@ -28642,7 +28618,7 @@
   <p:clrMapOvr>
     <a:masterClrMapping/>
   </p:clrMapOvr>
-  <p:transition spd="slow">
+  <p:transition spd="med">
     <p:push dir="u"/>
   </p:transition>
   <p:timing>
@@ -28910,7 +28886,7 @@
   <p:clrMapOvr>
     <a:masterClrMapping/>
   </p:clrMapOvr>
-  <p:transition spd="slow">
+  <p:transition spd="med">
     <p:push dir="u"/>
   </p:transition>
   <p:timing>
@@ -29170,7 +29146,7 @@
   <p:clrMapOvr>
     <a:masterClrMapping/>
   </p:clrMapOvr>
-  <p:transition spd="slow">
+  <p:transition spd="med">
     <p:push dir="u"/>
   </p:transition>
   <p:timing>
@@ -29368,7 +29344,7 @@
   <p:clrMapOvr>
     <a:masterClrMapping/>
   </p:clrMapOvr>
-  <p:transition spd="slow">
+  <p:transition spd="med">
     <p:push dir="u"/>
   </p:transition>
   <p:timing>
@@ -29680,7 +29656,7 @@
   <p:clrMapOvr>
     <a:masterClrMapping/>
   </p:clrMapOvr>
-  <p:transition spd="slow">
+  <p:transition spd="med">
     <p:push dir="u"/>
   </p:transition>
   <p:timing>
@@ -29936,7 +29912,7 @@
   <p:clrMapOvr>
     <a:masterClrMapping/>
   </p:clrMapOvr>
-  <p:transition spd="slow">
+  <p:transition spd="med">
     <p:push dir="u"/>
   </p:transition>
   <p:timing>
@@ -30135,9 +30111,16 @@
   <p:clrMapOvr>
     <a:masterClrMapping/>
   </p:clrMapOvr>
-  <p:transition spd="slow">
+  <p:transition spd="med">
     <p:push dir="u"/>
   </p:transition>
+  <p:timing>
+    <p:tnLst>
+      <p:par>
+        <p:cTn id="1" dur="indefinite" restart="never" nodeType="tmRoot"/>
+      </p:par>
+    </p:tnLst>
+  </p:timing>
 </p:sld>
 </file>
 
@@ -30295,7 +30278,7 @@
             <a:blip r:embed="rId2" cstate="print">
               <a:extLst>
                 <a:ext uri="{28A0092B-C50C-407E-A947-70E740481C1C}">
-                  <a14:useLocalDpi xmlns="" xmlns:a14="http://schemas.microsoft.com/office/drawing/2010/main" val="0"/>
+                  <a14:useLocalDpi xmlns:a14="http://schemas.microsoft.com/office/drawing/2010/main" xmlns="" val="0"/>
                 </a:ext>
               </a:extLst>
             </a:blip>
@@ -30498,14 +30481,14 @@
     </p:spTree>
     <p:extLst>
       <p:ext uri="{BB962C8B-B14F-4D97-AF65-F5344CB8AC3E}">
-        <p14:creationId xmlns="" xmlns:p14="http://schemas.microsoft.com/office/powerpoint/2010/main" val="2619248131"/>
+        <p14:creationId xmlns:p14="http://schemas.microsoft.com/office/powerpoint/2010/main" xmlns="" val="2619248131"/>
       </p:ext>
     </p:extLst>
   </p:cSld>
   <p:clrMapOvr>
     <a:masterClrMapping/>
   </p:clrMapOvr>
-  <p:transition spd="slow">
+  <p:transition spd="med">
     <p:push dir="u"/>
   </p:transition>
   <p:timing>
@@ -30703,9 +30686,16 @@
   <p:clrMapOvr>
     <a:masterClrMapping/>
   </p:clrMapOvr>
-  <p:transition spd="slow">
+  <p:transition spd="med">
     <p:push dir="u"/>
   </p:transition>
+  <p:timing>
+    <p:tnLst>
+      <p:par>
+        <p:cTn id="1" dur="indefinite" restart="never" nodeType="tmRoot"/>
+      </p:par>
+    </p:tnLst>
+  </p:timing>
 </p:sld>
 </file>
 
@@ -30789,7 +30779,7 @@
             <a:blip r:embed="rId2">
               <a:extLst>
                 <a:ext uri="{28A0092B-C50C-407E-A947-70E740481C1C}">
-                  <a14:useLocalDpi xmlns:a14="http://schemas.microsoft.com/office/drawing/2010/main" xmlns="" val="0"/>
+                  <a14:useLocalDpi xmlns="" xmlns:a14="http://schemas.microsoft.com/office/drawing/2010/main" val="0"/>
                 </a:ext>
               </a:extLst>
             </a:blip>
@@ -31033,7 +31023,7 @@
               </a:duotone>
               <a:extLst>
                 <a:ext uri="{28A0092B-C50C-407E-A947-70E740481C1C}">
-                  <a14:useLocalDpi xmlns:a14="http://schemas.microsoft.com/office/drawing/2010/main" xmlns="" val="0"/>
+                  <a14:useLocalDpi xmlns="" xmlns:a14="http://schemas.microsoft.com/office/drawing/2010/main" val="0"/>
                 </a:ext>
               </a:extLst>
             </a:blip>
@@ -31055,14 +31045,14 @@
     </p:spTree>
     <p:extLst>
       <p:ext uri="{BB962C8B-B14F-4D97-AF65-F5344CB8AC3E}">
-        <p14:creationId xmlns:p14="http://schemas.microsoft.com/office/powerpoint/2010/main" xmlns="" val="1393378065"/>
+        <p14:creationId xmlns="" xmlns:p14="http://schemas.microsoft.com/office/powerpoint/2010/main" val="1393378065"/>
       </p:ext>
     </p:extLst>
   </p:cSld>
   <p:clrMapOvr>
     <a:masterClrMapping/>
   </p:clrMapOvr>
-  <p:transition spd="slow">
+  <p:transition spd="med">
     <p:push dir="u"/>
   </p:transition>
   <p:timing>
@@ -31415,7 +31405,7 @@
                 <a:latin typeface="HY신명조" pitchFamily="18" charset="-127"/>
                 <a:ea typeface="HY신명조" pitchFamily="18" charset="-127"/>
               </a:rPr>
-              <a:t>남자든 여자든 누구라도 좋아요</a:t>
+              <a:t>아</a:t>
             </a:r>
             <a:r>
               <a:rPr lang="en-US" altLang="ko-KR" dirty="0" smtClean="0">
@@ -31425,8 +31415,65 @@
                 <a:latin typeface="HY신명조" pitchFamily="18" charset="-127"/>
                 <a:ea typeface="HY신명조" pitchFamily="18" charset="-127"/>
               </a:rPr>
-              <a:t>. </a:t>
-            </a:r>
+              <a:t>..</a:t>
+            </a:r>
+            <a:r>
+              <a:rPr lang="ko-KR" altLang="en-US" dirty="0" smtClean="0">
+                <a:solidFill>
+                  <a:schemeClr val="tx1"/>
+                </a:solidFill>
+                <a:latin typeface="HY신명조" pitchFamily="18" charset="-127"/>
+                <a:ea typeface="HY신명조" pitchFamily="18" charset="-127"/>
+              </a:rPr>
+              <a:t>안녕하세요 </a:t>
+            </a:r>
+            <a:r>
+              <a:rPr lang="en-US" altLang="ko-KR" dirty="0" smtClean="0">
+                <a:solidFill>
+                  <a:schemeClr val="tx1"/>
+                </a:solidFill>
+                <a:latin typeface="HY신명조" pitchFamily="18" charset="-127"/>
+                <a:ea typeface="HY신명조" pitchFamily="18" charset="-127"/>
+              </a:rPr>
+              <a:t>(</a:t>
+            </a:r>
+            <a:r>
+              <a:rPr lang="ko-KR" altLang="en-US" dirty="0" smtClean="0">
+                <a:solidFill>
+                  <a:schemeClr val="tx1"/>
+                </a:solidFill>
+                <a:latin typeface="HY신명조" pitchFamily="18" charset="-127"/>
+                <a:ea typeface="HY신명조" pitchFamily="18" charset="-127"/>
+              </a:rPr>
+              <a:t>어이 인사 받아주지 않으면 </a:t>
+            </a:r>
+            <a:r>
+              <a:rPr lang="ko-KR" altLang="en-US" dirty="0" err="1" smtClean="0">
+                <a:solidFill>
+                  <a:schemeClr val="tx1"/>
+                </a:solidFill>
+                <a:latin typeface="HY신명조" pitchFamily="18" charset="-127"/>
+                <a:ea typeface="HY신명조" pitchFamily="18" charset="-127"/>
+              </a:rPr>
+              <a:t>위험하다구</a:t>
+            </a:r>
+            <a:r>
+              <a:rPr lang="en-US" altLang="ko-KR" dirty="0" smtClean="0">
+                <a:solidFill>
+                  <a:schemeClr val="tx1"/>
+                </a:solidFill>
+                <a:latin typeface="HY신명조" pitchFamily="18" charset="-127"/>
+                <a:ea typeface="HY신명조" pitchFamily="18" charset="-127"/>
+              </a:rPr>
+              <a:t>..!)</a:t>
+            </a:r>
+            <a:endParaRPr lang="en-US" altLang="ko-KR" dirty="0" smtClean="0">
+              <a:solidFill>
+                <a:schemeClr val="tx1"/>
+              </a:solidFill>
+              <a:latin typeface="HY신명조" pitchFamily="18" charset="-127"/>
+              <a:ea typeface="HY신명조" pitchFamily="18" charset="-127"/>
+            </a:endParaRPr>
           </a:p>
           <a:p>
             <a:pPr>
@@ -31864,8 +31911,25 @@
                 <a:latin typeface="HY신명조" pitchFamily="18" charset="-127"/>
                 <a:ea typeface="HY신명조" pitchFamily="18" charset="-127"/>
               </a:rPr>
-              <a:t>(23)</a:t>
-            </a:r>
+              <a:t>(</a:t>
+            </a:r>
+            <a:r>
+              <a:rPr lang="en-US" altLang="ko-KR" dirty="0" smtClean="0">
+                <a:solidFill>
+                  <a:schemeClr val="tx1"/>
+                </a:solidFill>
+                <a:latin typeface="HY신명조" pitchFamily="18" charset="-127"/>
+                <a:ea typeface="HY신명조" pitchFamily="18" charset="-127"/>
+              </a:rPr>
+              <a:t>22)</a:t>
+            </a:r>
+            <a:endParaRPr lang="en-US" altLang="ko-KR" dirty="0" smtClean="0">
+              <a:solidFill>
+                <a:schemeClr val="tx1"/>
+              </a:solidFill>
+              <a:latin typeface="HY신명조" pitchFamily="18" charset="-127"/>
+              <a:ea typeface="HY신명조" pitchFamily="18" charset="-127"/>
+            </a:endParaRPr>
           </a:p>
           <a:p>
             <a:pPr>
@@ -32025,7 +32089,7 @@
   <p:clrMapOvr>
     <a:masterClrMapping/>
   </p:clrMapOvr>
-  <p:transition spd="slow">
+  <p:transition spd="med">
     <p:push dir="u"/>
   </p:transition>
   <p:timing>
@@ -32192,7 +32256,7 @@
             <a:blip r:embed="rId2" cstate="print">
               <a:extLst>
                 <a:ext uri="{28A0092B-C50C-407E-A947-70E740481C1C}">
-                  <a14:useLocalDpi xmlns="" xmlns:a14="http://schemas.microsoft.com/office/drawing/2010/main" val="0"/>
+                  <a14:useLocalDpi xmlns:a14="http://schemas.microsoft.com/office/drawing/2010/main" xmlns="" val="0"/>
                 </a:ext>
               </a:extLst>
             </a:blip>
@@ -32395,14 +32459,14 @@
     </p:spTree>
     <p:extLst>
       <p:ext uri="{BB962C8B-B14F-4D97-AF65-F5344CB8AC3E}">
-        <p14:creationId xmlns="" xmlns:p14="http://schemas.microsoft.com/office/powerpoint/2010/main" val="2619248131"/>
+        <p14:creationId xmlns:p14="http://schemas.microsoft.com/office/powerpoint/2010/main" xmlns="" val="2619248131"/>
       </p:ext>
     </p:extLst>
   </p:cSld>
   <p:clrMapOvr>
     <a:masterClrMapping/>
   </p:clrMapOvr>
-  <p:transition spd="slow">
+  <p:transition spd="med">
     <p:push dir="u"/>
   </p:transition>
   <p:timing>
@@ -32458,7 +32522,7 @@
             <a:blip r:embed="rId2" cstate="print">
               <a:extLst>
                 <a:ext uri="{28A0092B-C50C-407E-A947-70E740481C1C}">
-                  <a14:useLocalDpi xmlns="" xmlns:a14="http://schemas.microsoft.com/office/drawing/2010/main" val="0"/>
+                  <a14:useLocalDpi xmlns:a14="http://schemas.microsoft.com/office/drawing/2010/main" xmlns="" val="0"/>
                 </a:ext>
               </a:extLst>
             </a:blip>
@@ -32901,27 +32965,20 @@
               </a:rPr>
               <a:t>RPG</a:t>
             </a:r>
-            <a:endParaRPr lang="en-US" altLang="ko-KR" sz="2000" dirty="0" smtClean="0">
-              <a:solidFill>
-                <a:schemeClr val="accent6">
-                  <a:lumMod val="50000"/>
-                </a:schemeClr>
-              </a:solidFill>
-            </a:endParaRPr>
           </a:p>
         </p:txBody>
       </p:sp>
     </p:spTree>
     <p:extLst>
       <p:ext uri="{BB962C8B-B14F-4D97-AF65-F5344CB8AC3E}">
-        <p14:creationId xmlns="" xmlns:p14="http://schemas.microsoft.com/office/powerpoint/2010/main" val="527779912"/>
+        <p14:creationId xmlns:p14="http://schemas.microsoft.com/office/powerpoint/2010/main" xmlns="" val="527779912"/>
       </p:ext>
     </p:extLst>
   </p:cSld>
   <p:clrMapOvr>
     <a:masterClrMapping/>
   </p:clrMapOvr>
-  <p:transition spd="slow">
+  <p:transition spd="med">
     <p:push dir="u"/>
   </p:transition>
   <p:timing>
@@ -32977,7 +33034,7 @@
             <a:blip r:embed="rId2" cstate="print">
               <a:extLst>
                 <a:ext uri="{28A0092B-C50C-407E-A947-70E740481C1C}">
-                  <a14:useLocalDpi xmlns="" xmlns:a14="http://schemas.microsoft.com/office/drawing/2010/main" val="0"/>
+                  <a14:useLocalDpi xmlns:a14="http://schemas.microsoft.com/office/drawing/2010/main" xmlns="" val="0"/>
                 </a:ext>
               </a:extLst>
             </a:blip>
@@ -33326,14 +33383,14 @@
     </p:spTree>
     <p:extLst>
       <p:ext uri="{BB962C8B-B14F-4D97-AF65-F5344CB8AC3E}">
-        <p14:creationId xmlns="" xmlns:p14="http://schemas.microsoft.com/office/powerpoint/2010/main" val="527779912"/>
+        <p14:creationId xmlns:p14="http://schemas.microsoft.com/office/powerpoint/2010/main" xmlns="" val="527779912"/>
       </p:ext>
     </p:extLst>
   </p:cSld>
   <p:clrMapOvr>
     <a:masterClrMapping/>
   </p:clrMapOvr>
-  <p:transition spd="slow">
+  <p:transition spd="med">
     <p:push dir="u"/>
   </p:transition>
   <p:timing>
@@ -34137,7 +34194,7 @@
   <p:clrMapOvr>
     <a:masterClrMapping/>
   </p:clrMapOvr>
-  <p:transition spd="slow">
+  <p:transition spd="med">
     <p:push dir="u"/>
   </p:transition>
   <p:timing>
